--- a/inna/Занятие9/Занятие 9.pptx
+++ b/inna/Занятие9/Занятие 9.pptx
@@ -5,7 +5,7 @@
     <p:sldMasterId id="2147483648" r:id="rId1"/>
   </p:sldMasterIdLst>
   <p:notesMasterIdLst>
-    <p:notesMasterId r:id="rId15"/>
+    <p:notesMasterId r:id="rId16"/>
   </p:notesMasterIdLst>
   <p:sldIdLst>
     <p:sldId id="280" r:id="rId2"/>
@@ -20,7 +20,8 @@
     <p:sldId id="321" r:id="rId11"/>
     <p:sldId id="322" r:id="rId12"/>
     <p:sldId id="323" r:id="rId13"/>
-    <p:sldId id="286" r:id="rId14"/>
+    <p:sldId id="324" r:id="rId14"/>
+    <p:sldId id="286" r:id="rId15"/>
   </p:sldIdLst>
   <p:sldSz cx="9144000" cy="6858000" type="screen4x3"/>
   <p:notesSz cx="6858000" cy="9144000"/>
@@ -121,7 +122,7 @@
   </p:defaultTextStyle>
   <p:extLst>
     <p:ext uri="{EFAFB233-063F-42B5-8137-9DF3F51BA10A}">
-      <p15:sldGuideLst xmlns:p15="http://schemas.microsoft.com/office/powerpoint/2012/main" xmlns="">
+      <p15:sldGuideLst xmlns="" xmlns:p15="http://schemas.microsoft.com/office/powerpoint/2012/main">
         <p15:guide id="1" orient="horz" pos="2160">
           <p15:clr>
             <a:srgbClr val="A4A3A4"/>
@@ -221,7 +222,7 @@
             <a:fld id="{7FCDCAFE-ED6D-40DE-BB2A-6C2FAE0E1B23}" type="datetimeFigureOut">
               <a:rPr lang="en-US" smtClean="0"/>
               <a:pPr/>
-              <a:t>10-Feb-15</a:t>
+              <a:t>21-Feb-15</a:t>
             </a:fld>
             <a:endParaRPr lang="en-US"/>
           </a:p>
@@ -390,7 +391,7 @@
     </p:spTree>
     <p:extLst>
       <p:ext uri="{BB962C8B-B14F-4D97-AF65-F5344CB8AC3E}">
-        <p14:creationId xmlns:p14="http://schemas.microsoft.com/office/powerpoint/2010/main" xmlns="" val="616035265"/>
+        <p14:creationId xmlns="" xmlns:p14="http://schemas.microsoft.com/office/powerpoint/2010/main" val="616035265"/>
       </p:ext>
     </p:extLst>
   </p:cSld>
@@ -949,7 +950,6 @@
               <a:rPr lang="ru-RU" baseline="0" dirty="0" smtClean="0"/>
               <a:t>вот их сайт</a:t>
             </a:r>
-            <a:endParaRPr lang="ru-RU" baseline="0" dirty="0" smtClean="0"/>
           </a:p>
         </p:txBody>
       </p:sp>
@@ -1027,11 +1027,18 @@
         <p:spPr/>
         <p:txBody>
           <a:bodyPr>
-            <a:normAutofit fontScale="92500" lnSpcReduction="10000"/>
+            <a:normAutofit fontScale="85000" lnSpcReduction="20000"/>
           </a:bodyPr>
           <a:lstStyle/>
           <a:p>
-            <a:endParaRPr lang="en-US" baseline="0" dirty="0" smtClean="0"/>
+            <a:r>
+              <a:rPr lang="en-US" baseline="0" dirty="0" smtClean="0"/>
+              <a:t>http://www.telerik.com/fiddler - </a:t>
+            </a:r>
+            <a:r>
+              <a:rPr lang="ru-RU" baseline="0" dirty="0" smtClean="0"/>
+              <a:t>вот их сайт</a:t>
+            </a:r>
           </a:p>
         </p:txBody>
       </p:sp>
@@ -1054,6 +1061,88 @@
               <a:rPr lang="en-US" smtClean="0"/>
               <a:pPr/>
               <a:t>13</a:t>
+            </a:fld>
+            <a:endParaRPr lang="en-US"/>
+          </a:p>
+        </p:txBody>
+      </p:sp>
+    </p:spTree>
+  </p:cSld>
+  <p:clrMapOvr>
+    <a:masterClrMapping/>
+  </p:clrMapOvr>
+</p:notes>
+</file>
+
+<file path=ppt/notesSlides/notesSlide12.xml><?xml version="1.0" encoding="utf-8"?>
+<p:notes xmlns:a="http://schemas.openxmlformats.org/drawingml/2006/main" xmlns:r="http://schemas.openxmlformats.org/officeDocument/2006/relationships" xmlns:p="http://schemas.openxmlformats.org/presentationml/2006/main">
+  <p:cSld>
+    <p:spTree>
+      <p:nvGrpSpPr>
+        <p:cNvPr id="1" name=""/>
+        <p:cNvGrpSpPr/>
+        <p:nvPr/>
+      </p:nvGrpSpPr>
+      <p:grpSpPr>
+        <a:xfrm>
+          <a:off x="0" y="0"/>
+          <a:ext cx="0" cy="0"/>
+          <a:chOff x="0" y="0"/>
+          <a:chExt cx="0" cy="0"/>
+        </a:xfrm>
+      </p:grpSpPr>
+      <p:sp>
+        <p:nvSpPr>
+          <p:cNvPr id="2" name="Образ слайда 1"/>
+          <p:cNvSpPr>
+            <a:spLocks noGrp="1" noRot="1" noChangeAspect="1"/>
+          </p:cNvSpPr>
+          <p:nvPr>
+            <p:ph type="sldImg"/>
+          </p:nvPr>
+        </p:nvSpPr>
+        <p:spPr/>
+      </p:sp>
+      <p:sp>
+        <p:nvSpPr>
+          <p:cNvPr id="3" name="Заметки 2"/>
+          <p:cNvSpPr>
+            <a:spLocks noGrp="1"/>
+          </p:cNvSpPr>
+          <p:nvPr>
+            <p:ph type="body" idx="1"/>
+          </p:nvPr>
+        </p:nvSpPr>
+        <p:spPr/>
+        <p:txBody>
+          <a:bodyPr>
+            <a:normAutofit fontScale="92500" lnSpcReduction="10000"/>
+          </a:bodyPr>
+          <a:lstStyle/>
+          <a:p>
+            <a:endParaRPr lang="en-US" baseline="0" dirty="0" smtClean="0"/>
+          </a:p>
+        </p:txBody>
+      </p:sp>
+      <p:sp>
+        <p:nvSpPr>
+          <p:cNvPr id="4" name="Номер слайда 3"/>
+          <p:cNvSpPr>
+            <a:spLocks noGrp="1"/>
+          </p:cNvSpPr>
+          <p:nvPr>
+            <p:ph type="sldNum" sz="quarter" idx="10"/>
+          </p:nvPr>
+        </p:nvSpPr>
+        <p:spPr/>
+        <p:txBody>
+          <a:bodyPr/>
+          <a:lstStyle/>
+          <a:p>
+            <a:fld id="{D75B0C5A-EE92-4E92-8F5B-10699705BBE2}" type="slidenum">
+              <a:rPr lang="en-US" smtClean="0"/>
+              <a:pPr/>
+              <a:t>14</a:t>
             </a:fld>
             <a:endParaRPr lang="en-US"/>
           </a:p>
@@ -2847,7 +2936,6 @@
               <a:rPr lang="ru-RU" baseline="0" dirty="0" smtClean="0"/>
               <a:t>Еще бы хорошо иметь возможность сравнить базы данных. Но для этого нужно использовать либо другой инструмент, либо что-то писать самим.</a:t>
             </a:r>
-            <a:endParaRPr lang="ru-RU" baseline="0" dirty="0" smtClean="0"/>
           </a:p>
         </p:txBody>
       </p:sp>
@@ -2937,7 +3025,6 @@
               <a:rPr lang="ru-RU" baseline="0" dirty="0" smtClean="0"/>
               <a:t>вот их сайт</a:t>
             </a:r>
-            <a:endParaRPr lang="ru-RU" baseline="0" dirty="0" smtClean="0"/>
           </a:p>
         </p:txBody>
       </p:sp>
@@ -3027,7 +3114,6 @@
               <a:rPr lang="ru-RU" baseline="0" dirty="0" smtClean="0"/>
               <a:t>вот их сайт</a:t>
             </a:r>
-            <a:endParaRPr lang="ru-RU" baseline="0" dirty="0" smtClean="0"/>
           </a:p>
         </p:txBody>
       </p:sp>
@@ -3245,7 +3331,7 @@
             <a:fld id="{1D8BD707-D9CF-40AE-B4C6-C98DA3205C09}" type="datetimeFigureOut">
               <a:rPr lang="en-US" smtClean="0"/>
               <a:pPr/>
-              <a:t>10-Feb-15</a:t>
+              <a:t>21-Feb-15</a:t>
             </a:fld>
             <a:endParaRPr lang="en-US"/>
           </a:p>
@@ -3412,7 +3498,7 @@
             <a:fld id="{1D8BD707-D9CF-40AE-B4C6-C98DA3205C09}" type="datetimeFigureOut">
               <a:rPr lang="en-US" smtClean="0"/>
               <a:pPr/>
-              <a:t>10-Feb-15</a:t>
+              <a:t>21-Feb-15</a:t>
             </a:fld>
             <a:endParaRPr lang="en-US"/>
           </a:p>
@@ -3589,7 +3675,7 @@
             <a:fld id="{1D8BD707-D9CF-40AE-B4C6-C98DA3205C09}" type="datetimeFigureOut">
               <a:rPr lang="en-US" smtClean="0"/>
               <a:pPr/>
-              <a:t>10-Feb-15</a:t>
+              <a:t>21-Feb-15</a:t>
             </a:fld>
             <a:endParaRPr lang="en-US"/>
           </a:p>
@@ -3756,7 +3842,7 @@
             <a:fld id="{1D8BD707-D9CF-40AE-B4C6-C98DA3205C09}" type="datetimeFigureOut">
               <a:rPr lang="en-US" smtClean="0"/>
               <a:pPr/>
-              <a:t>10-Feb-15</a:t>
+              <a:t>21-Feb-15</a:t>
             </a:fld>
             <a:endParaRPr lang="en-US"/>
           </a:p>
@@ -3999,7 +4085,7 @@
             <a:fld id="{1D8BD707-D9CF-40AE-B4C6-C98DA3205C09}" type="datetimeFigureOut">
               <a:rPr lang="en-US" smtClean="0"/>
               <a:pPr/>
-              <a:t>10-Feb-15</a:t>
+              <a:t>21-Feb-15</a:t>
             </a:fld>
             <a:endParaRPr lang="en-US"/>
           </a:p>
@@ -4284,7 +4370,7 @@
             <a:fld id="{1D8BD707-D9CF-40AE-B4C6-C98DA3205C09}" type="datetimeFigureOut">
               <a:rPr lang="en-US" smtClean="0"/>
               <a:pPr/>
-              <a:t>10-Feb-15</a:t>
+              <a:t>21-Feb-15</a:t>
             </a:fld>
             <a:endParaRPr lang="en-US"/>
           </a:p>
@@ -4703,7 +4789,7 @@
             <a:fld id="{1D8BD707-D9CF-40AE-B4C6-C98DA3205C09}" type="datetimeFigureOut">
               <a:rPr lang="en-US" smtClean="0"/>
               <a:pPr/>
-              <a:t>10-Feb-15</a:t>
+              <a:t>21-Feb-15</a:t>
             </a:fld>
             <a:endParaRPr lang="en-US"/>
           </a:p>
@@ -4818,7 +4904,7 @@
             <a:fld id="{1D8BD707-D9CF-40AE-B4C6-C98DA3205C09}" type="datetimeFigureOut">
               <a:rPr lang="en-US" smtClean="0"/>
               <a:pPr/>
-              <a:t>10-Feb-15</a:t>
+              <a:t>21-Feb-15</a:t>
             </a:fld>
             <a:endParaRPr lang="en-US"/>
           </a:p>
@@ -4910,7 +4996,7 @@
             <a:fld id="{1D8BD707-D9CF-40AE-B4C6-C98DA3205C09}" type="datetimeFigureOut">
               <a:rPr lang="en-US" smtClean="0"/>
               <a:pPr/>
-              <a:t>10-Feb-15</a:t>
+              <a:t>21-Feb-15</a:t>
             </a:fld>
             <a:endParaRPr lang="en-US"/>
           </a:p>
@@ -5184,7 +5270,7 @@
             <a:fld id="{1D8BD707-D9CF-40AE-B4C6-C98DA3205C09}" type="datetimeFigureOut">
               <a:rPr lang="en-US" smtClean="0"/>
               <a:pPr/>
-              <a:t>10-Feb-15</a:t>
+              <a:t>21-Feb-15</a:t>
             </a:fld>
             <a:endParaRPr lang="en-US"/>
           </a:p>
@@ -5434,7 +5520,7 @@
             <a:fld id="{1D8BD707-D9CF-40AE-B4C6-C98DA3205C09}" type="datetimeFigureOut">
               <a:rPr lang="en-US" smtClean="0"/>
               <a:pPr/>
-              <a:t>10-Feb-15</a:t>
+              <a:t>21-Feb-15</a:t>
             </a:fld>
             <a:endParaRPr lang="en-US"/>
           </a:p>
@@ -5653,7 +5739,7 @@
             <a:fld id="{1D8BD707-D9CF-40AE-B4C6-C98DA3205C09}" type="datetimeFigureOut">
               <a:rPr lang="en-US" smtClean="0"/>
               <a:pPr/>
-              <a:t>10-Feb-15</a:t>
+              <a:t>21-Feb-15</a:t>
             </a:fld>
             <a:endParaRPr lang="en-US"/>
           </a:p>
@@ -6123,7 +6209,7 @@
     </p:spTree>
     <p:extLst>
       <p:ext uri="{BB962C8B-B14F-4D97-AF65-F5344CB8AC3E}">
-        <p14:creationId xmlns:p14="http://schemas.microsoft.com/office/powerpoint/2010/main" xmlns="" val="1766645597"/>
+        <p14:creationId xmlns="" xmlns:p14="http://schemas.microsoft.com/office/powerpoint/2010/main" val="1766645597"/>
       </p:ext>
     </p:extLst>
   </p:cSld>
@@ -6250,11 +6336,7 @@
             </a:r>
             <a:r>
               <a:rPr lang="en-US" dirty="0" smtClean="0"/>
-              <a:t>for analyzing the differences in Microsoft SQL Server 2008 (and 2005) database structures</a:t>
-            </a:r>
-            <a:r>
-              <a:rPr lang="en-US" dirty="0" smtClean="0"/>
-              <a:t>.</a:t>
+              <a:t>for analyzing the differences in Microsoft SQL Server 2008 (and 2005) database structures.</a:t>
             </a:r>
           </a:p>
           <a:p>
@@ -6297,7 +6379,7 @@
     </p:spTree>
     <p:extLst>
       <p:ext uri="{BB962C8B-B14F-4D97-AF65-F5344CB8AC3E}">
-        <p14:creationId xmlns:p14="http://schemas.microsoft.com/office/powerpoint/2010/main" xmlns="" val="4060775951"/>
+        <p14:creationId xmlns="" xmlns:p14="http://schemas.microsoft.com/office/powerpoint/2010/main" val="4060775951"/>
       </p:ext>
     </p:extLst>
   </p:cSld>
@@ -6305,7 +6387,7 @@
     <a:masterClrMapping/>
   </p:clrMapOvr>
   <mc:AlternateContent xmlns:mc="http://schemas.openxmlformats.org/markup-compatibility/2006">
-    <mc:Choice xmlns:p14="http://schemas.microsoft.com/office/powerpoint/2010/main" xmlns="" Requires="p14">
+    <mc:Choice xmlns="" xmlns:p14="http://schemas.microsoft.com/office/powerpoint/2010/main" Requires="p14">
       <p:transition spd="slow" p14:dur="2000"/>
     </mc:Choice>
     <mc:Fallback>
@@ -6437,37 +6519,21 @@
             </a:r>
             <a:r>
               <a:rPr lang="en-US" b="1" u="sng" dirty="0" smtClean="0"/>
-              <a:t> and Assembly </a:t>
-            </a:r>
-            <a:r>
-              <a:rPr lang="en-US" b="1" u="sng" dirty="0" smtClean="0"/>
-              <a:t>Browser.</a:t>
+              <a:t> and Assembly Browser.</a:t>
             </a:r>
           </a:p>
           <a:p>
             <a:pPr fontAlgn="base"/>
             <a:r>
               <a:rPr lang="en-US" dirty="0" smtClean="0"/>
-              <a:t>Decompiling </a:t>
-            </a:r>
+              <a:t>Decompiling .NET 1.0-4.5 assemblies to C#.</a:t>
+            </a:r>
+          </a:p>
+          <a:p>
+            <a:pPr fontAlgn="base"/>
             <a:r>
               <a:rPr lang="en-US" dirty="0" smtClean="0"/>
-              <a:t>.NET 1.0-4.5 assemblies to C</a:t>
-            </a:r>
-            <a:r>
-              <a:rPr lang="en-US" dirty="0" smtClean="0"/>
-              <a:t>#.</a:t>
-            </a:r>
-          </a:p>
-          <a:p>
-            <a:pPr fontAlgn="base"/>
-            <a:r>
-              <a:rPr lang="en-US" dirty="0" smtClean="0"/>
-              <a:t>Quick jump to a type, assembly, symbol, or type </a:t>
-            </a:r>
-            <a:r>
-              <a:rPr lang="en-US" dirty="0" smtClean="0"/>
-              <a:t>member</a:t>
+              <a:t>Quick jump to a type, assembly, symbol, or type member</a:t>
             </a:r>
             <a:r>
               <a:rPr lang="en-US" b="1" dirty="0" smtClean="0"/>
@@ -6478,11 +6544,7 @@
             <a:pPr fontAlgn="base"/>
             <a:r>
               <a:rPr lang="en-US" dirty="0" smtClean="0"/>
-              <a:t>Accurate search for symbol </a:t>
-            </a:r>
-            <a:r>
-              <a:rPr lang="en-US" dirty="0" smtClean="0"/>
-              <a:t>usages.</a:t>
+              <a:t>Accurate search for symbol usages.</a:t>
             </a:r>
           </a:p>
           <a:p>
@@ -6526,7 +6588,7 @@
     </p:spTree>
     <p:extLst>
       <p:ext uri="{BB962C8B-B14F-4D97-AF65-F5344CB8AC3E}">
-        <p14:creationId xmlns:p14="http://schemas.microsoft.com/office/powerpoint/2010/main" xmlns="" val="4060775951"/>
+        <p14:creationId xmlns="" xmlns:p14="http://schemas.microsoft.com/office/powerpoint/2010/main" val="4060775951"/>
       </p:ext>
     </p:extLst>
   </p:cSld>
@@ -6534,7 +6596,7 @@
     <a:masterClrMapping/>
   </p:clrMapOvr>
   <mc:AlternateContent xmlns:mc="http://schemas.openxmlformats.org/markup-compatibility/2006">
-    <mc:Choice xmlns:p14="http://schemas.microsoft.com/office/powerpoint/2010/main" xmlns="" Requires="p14">
+    <mc:Choice xmlns="" xmlns:p14="http://schemas.microsoft.com/office/powerpoint/2010/main" Requires="p14">
       <p:transition spd="slow" p14:dur="2000"/>
     </mc:Choice>
     <mc:Fallback>
@@ -6608,21 +6670,6 @@
               </a:rPr>
               <a:t>Fiddler</a:t>
             </a:r>
-            <a:endParaRPr lang="en-US" sz="3500" dirty="0" smtClean="0">
-              <a:solidFill>
-                <a:schemeClr val="tx1">
-                  <a:lumMod val="65000"/>
-                  <a:lumOff val="35000"/>
-                </a:schemeClr>
-              </a:solidFill>
-              <a:effectLst>
-                <a:outerShdw blurRad="38100" dist="38100" dir="2700000" algn="tl">
-                  <a:srgbClr val="000000">
-                    <a:alpha val="43137"/>
-                  </a:srgbClr>
-                </a:outerShdw>
-              </a:effectLst>
-            </a:endParaRPr>
           </a:p>
         </p:txBody>
       </p:sp>
@@ -6658,75 +6705,19 @@
             </a:r>
             <a:r>
               <a:rPr lang="en-US" dirty="0" smtClean="0"/>
-              <a:t> </a:t>
-            </a:r>
+              <a:t> for any browser, system or platform.</a:t>
+            </a:r>
+          </a:p>
+          <a:p>
+            <a:pPr fontAlgn="base"/>
             <a:r>
               <a:rPr lang="en-US" dirty="0" smtClean="0"/>
-              <a:t>for </a:t>
-            </a:r>
-            <a:r>
-              <a:rPr lang="en-US" dirty="0" smtClean="0"/>
-              <a:t>any browser, </a:t>
-            </a:r>
-            <a:r>
-              <a:rPr lang="en-US" dirty="0" smtClean="0"/>
-              <a:t>system </a:t>
-            </a:r>
-            <a:r>
-              <a:rPr lang="en-US" dirty="0" smtClean="0"/>
-              <a:t>or </a:t>
-            </a:r>
-            <a:r>
-              <a:rPr lang="en-US" dirty="0" smtClean="0"/>
-              <a:t>platform.</a:t>
-            </a:r>
-          </a:p>
-          <a:p>
-            <a:pPr fontAlgn="base"/>
-            <a:r>
-              <a:rPr lang="en-US" dirty="0" smtClean="0"/>
-              <a:t>Debug </a:t>
-            </a:r>
-            <a:r>
-              <a:rPr lang="en-US" dirty="0" smtClean="0"/>
-              <a:t>traffic from PC, Mac or Linux systems and mobile devices. Ensure the proper cookies, headers and cache directives are transferred between the client and server. Supports any framework, including .NET, Java, Ruby, etc.</a:t>
+              <a:t>Debug traffic from PC, Mac or Linux systems and mobile devices. Ensure the proper cookies, headers and cache directives are transferred between the client and server. Supports any framework, including .NET, Java, Ruby, etc.</a:t>
             </a:r>
             <a:endParaRPr lang="en-US" b="1" dirty="0" smtClean="0"/>
           </a:p>
         </p:txBody>
       </p:sp>
-      <p:pic>
-        <p:nvPicPr>
-          <p:cNvPr id="1026" name="Picture 2"/>
-          <p:cNvPicPr>
-            <a:picLocks noChangeAspect="1" noChangeArrowheads="1"/>
-          </p:cNvPicPr>
-          <p:nvPr/>
-        </p:nvPicPr>
-        <p:blipFill>
-          <a:blip r:embed="rId3" cstate="print"/>
-          <a:srcRect/>
-          <a:stretch>
-            <a:fillRect/>
-          </a:stretch>
-        </p:blipFill>
-        <p:spPr bwMode="auto">
-          <a:xfrm>
-            <a:off x="539552" y="1196752"/>
-            <a:ext cx="5069768" cy="3384376"/>
-          </a:xfrm>
-          <a:prstGeom prst="rect">
-            <a:avLst/>
-          </a:prstGeom>
-          <a:noFill/>
-          <a:ln w="9525">
-            <a:noFill/>
-            <a:miter lim="800000"/>
-            <a:headEnd/>
-            <a:tailEnd/>
-          </a:ln>
-        </p:spPr>
-      </p:pic>
       <p:sp>
         <p:nvSpPr>
           <p:cNvPr id="5" name="Прямоугольник 4"/>
@@ -6753,28 +6744,19 @@
               <a:rPr lang="en-US" dirty="0" smtClean="0"/>
               <a:t>Easily manipulate and edit web sessions. </a:t>
             </a:r>
-            <a:endParaRPr lang="en-US" dirty="0" smtClean="0"/>
           </a:p>
           <a:p>
             <a:pPr fontAlgn="base"/>
             <a:r>
               <a:rPr lang="en-US" dirty="0" smtClean="0"/>
-              <a:t>Fiddler lets you see the “total page weight,” HTTP caching and compression at a glance</a:t>
-            </a:r>
+              <a:t>Fiddler lets you see the “total page weight,” HTTP caching and compression at a glance.</a:t>
+            </a:r>
+          </a:p>
+          <a:p>
+            <a:pPr fontAlgn="base"/>
             <a:r>
               <a:rPr lang="en-US" dirty="0" smtClean="0"/>
-              <a:t>.</a:t>
-            </a:r>
-          </a:p>
-          <a:p>
-            <a:pPr fontAlgn="base"/>
-            <a:r>
-              <a:rPr lang="en-US" dirty="0" smtClean="0"/>
-              <a:t>Use Fiddler for security testing your web </a:t>
-            </a:r>
-            <a:r>
-              <a:rPr lang="en-US" dirty="0" smtClean="0"/>
-              <a:t>applications.</a:t>
+              <a:t>Use Fiddler for security testing your web applications.</a:t>
             </a:r>
           </a:p>
         </p:txBody>
@@ -6782,7 +6764,7 @@
     </p:spTree>
     <p:extLst>
       <p:ext uri="{BB962C8B-B14F-4D97-AF65-F5344CB8AC3E}">
-        <p14:creationId xmlns:p14="http://schemas.microsoft.com/office/powerpoint/2010/main" xmlns="" val="4060775951"/>
+        <p14:creationId xmlns="" xmlns:p14="http://schemas.microsoft.com/office/powerpoint/2010/main" val="4060775951"/>
       </p:ext>
     </p:extLst>
   </p:cSld>
@@ -6790,7 +6772,7 @@
     <a:masterClrMapping/>
   </p:clrMapOvr>
   <mc:AlternateContent xmlns:mc="http://schemas.openxmlformats.org/markup-compatibility/2006">
-    <mc:Choice xmlns:p14="http://schemas.microsoft.com/office/powerpoint/2010/main" xmlns="" Requires="p14">
+    <mc:Choice xmlns="" xmlns:p14="http://schemas.microsoft.com/office/powerpoint/2010/main" Requires="p14">
       <p:transition spd="slow" p14:dur="2000"/>
     </mc:Choice>
     <mc:Fallback>
@@ -6824,6 +6806,237 @@
           <a:chExt cx="0" cy="0"/>
         </a:xfrm>
       </p:grpSpPr>
+      <p:sp>
+        <p:nvSpPr>
+          <p:cNvPr id="3" name="TextBox 2"/>
+          <p:cNvSpPr txBox="1"/>
+          <p:nvPr/>
+        </p:nvSpPr>
+        <p:spPr>
+          <a:xfrm>
+            <a:off x="457200" y="533400"/>
+            <a:ext cx="1356782" cy="630942"/>
+          </a:xfrm>
+          <a:prstGeom prst="rect">
+            <a:avLst/>
+          </a:prstGeom>
+          <a:noFill/>
+        </p:spPr>
+        <p:txBody>
+          <a:bodyPr wrap="none" rtlCol="0">
+            <a:spAutoFit/>
+          </a:bodyPr>
+          <a:lstStyle/>
+          <a:p>
+            <a:r>
+              <a:rPr lang="en-US" sz="3500" dirty="0" smtClean="0">
+                <a:solidFill>
+                  <a:schemeClr val="tx1">
+                    <a:lumMod val="65000"/>
+                    <a:lumOff val="35000"/>
+                  </a:schemeClr>
+                </a:solidFill>
+                <a:effectLst>
+                  <a:outerShdw blurRad="38100" dist="38100" dir="2700000" algn="tl">
+                    <a:srgbClr val="000000">
+                      <a:alpha val="43137"/>
+                    </a:srgbClr>
+                  </a:outerShdw>
+                </a:effectLst>
+              </a:rPr>
+              <a:t>others</a:t>
+            </a:r>
+            <a:endParaRPr lang="en-US" sz="3500" dirty="0" smtClean="0">
+              <a:solidFill>
+                <a:schemeClr val="tx1">
+                  <a:lumMod val="65000"/>
+                  <a:lumOff val="35000"/>
+                </a:schemeClr>
+              </a:solidFill>
+              <a:effectLst>
+                <a:outerShdw blurRad="38100" dist="38100" dir="2700000" algn="tl">
+                  <a:srgbClr val="000000">
+                    <a:alpha val="43137"/>
+                  </a:srgbClr>
+                </a:outerShdw>
+              </a:effectLst>
+            </a:endParaRPr>
+          </a:p>
+        </p:txBody>
+      </p:sp>
+      <p:sp>
+        <p:nvSpPr>
+          <p:cNvPr id="4" name="Прямоугольник 3"/>
+          <p:cNvSpPr/>
+          <p:nvPr/>
+        </p:nvSpPr>
+        <p:spPr>
+          <a:xfrm>
+            <a:off x="539552" y="1268760"/>
+            <a:ext cx="7992888" cy="2031325"/>
+          </a:xfrm>
+          <a:prstGeom prst="rect">
+            <a:avLst/>
+          </a:prstGeom>
+        </p:spPr>
+        <p:txBody>
+          <a:bodyPr wrap="square">
+            <a:spAutoFit/>
+          </a:bodyPr>
+          <a:lstStyle/>
+          <a:p>
+            <a:pPr fontAlgn="base"/>
+            <a:r>
+              <a:rPr lang="en-US" dirty="0" smtClean="0">
+                <a:hlinkClick r:id="rId3"/>
+              </a:rPr>
+              <a:t>http://validator.w3.org</a:t>
+            </a:r>
+            <a:r>
+              <a:rPr lang="en-US" dirty="0" smtClean="0">
+                <a:hlinkClick r:id="rId3"/>
+              </a:rPr>
+              <a:t>/</a:t>
+            </a:r>
+            <a:endParaRPr lang="en-US" dirty="0" smtClean="0"/>
+          </a:p>
+          <a:p>
+            <a:pPr fontAlgn="base"/>
+            <a:r>
+              <a:rPr lang="en-US" b="1" dirty="0" smtClean="0">
+                <a:hlinkClick r:id="rId4"/>
+              </a:rPr>
+              <a:t>http://</a:t>
+            </a:r>
+            <a:r>
+              <a:rPr lang="en-US" b="1" dirty="0" smtClean="0">
+                <a:hlinkClick r:id="rId4"/>
+              </a:rPr>
+              <a:t>browsershots.org</a:t>
+            </a:r>
+            <a:endParaRPr lang="en-US" b="1" dirty="0" smtClean="0"/>
+          </a:p>
+          <a:p>
+            <a:pPr fontAlgn="base"/>
+            <a:r>
+              <a:rPr lang="en-US" b="1" dirty="0" smtClean="0">
+                <a:hlinkClick r:id="rId5"/>
+              </a:rPr>
+              <a:t>http://habrahabr.ru/company/eurostudio/blog/109010</a:t>
+            </a:r>
+            <a:r>
+              <a:rPr lang="en-US" b="1" dirty="0" smtClean="0">
+                <a:hlinkClick r:id="rId5"/>
+              </a:rPr>
+              <a:t>/</a:t>
+            </a:r>
+            <a:endParaRPr lang="en-US" b="1" dirty="0" smtClean="0"/>
+          </a:p>
+          <a:p>
+            <a:pPr fontAlgn="base"/>
+            <a:r>
+              <a:rPr lang="en-US" b="1" dirty="0" smtClean="0">
+                <a:hlinkClick r:id="rId6"/>
+              </a:rPr>
+              <a:t>http://</a:t>
+            </a:r>
+            <a:r>
+              <a:rPr lang="en-US" b="1" dirty="0" smtClean="0">
+                <a:hlinkClick r:id="rId6"/>
+              </a:rPr>
+              <a:t>brokenlinklookup.com</a:t>
+            </a:r>
+            <a:endParaRPr lang="en-US" b="1" dirty="0" smtClean="0"/>
+          </a:p>
+          <a:p>
+            <a:pPr fontAlgn="base"/>
+            <a:r>
+              <a:rPr lang="en-US" b="1" dirty="0" smtClean="0">
+                <a:hlinkClick r:id="rId7"/>
+              </a:rPr>
+              <a:t>http://</a:t>
+            </a:r>
+            <a:r>
+              <a:rPr lang="en-US" b="1" dirty="0" smtClean="0">
+                <a:hlinkClick r:id="rId7"/>
+              </a:rPr>
+              <a:t>validator.w3.org/checklink</a:t>
+            </a:r>
+            <a:endParaRPr lang="en-US" b="1" dirty="0" smtClean="0"/>
+          </a:p>
+          <a:p>
+            <a:pPr fontAlgn="base"/>
+            <a:r>
+              <a:rPr lang="en-US" b="1" smtClean="0">
+                <a:hlinkClick r:id="rId8"/>
+              </a:rPr>
+              <a:t>http://</a:t>
+            </a:r>
+            <a:r>
+              <a:rPr lang="en-US" b="1" smtClean="0">
+                <a:hlinkClick r:id="rId8"/>
+              </a:rPr>
+              <a:t>freetools.webmasterworld.com/tools/crawler-google-sitemap-generator</a:t>
+            </a:r>
+            <a:r>
+              <a:rPr lang="en-US" b="1" smtClean="0">
+                <a:hlinkClick r:id="rId8"/>
+              </a:rPr>
+              <a:t>/</a:t>
+            </a:r>
+            <a:endParaRPr lang="en-US" b="1" smtClean="0"/>
+          </a:p>
+          <a:p>
+            <a:pPr fontAlgn="base"/>
+            <a:endParaRPr lang="en-US" b="1" dirty="0" smtClean="0"/>
+          </a:p>
+        </p:txBody>
+      </p:sp>
+    </p:spTree>
+    <p:extLst>
+      <p:ext uri="{BB962C8B-B14F-4D97-AF65-F5344CB8AC3E}">
+        <p14:creationId xmlns="" xmlns:p14="http://schemas.microsoft.com/office/powerpoint/2010/main" val="4060775951"/>
+      </p:ext>
+    </p:extLst>
+  </p:cSld>
+  <p:clrMapOvr>
+    <a:masterClrMapping/>
+  </p:clrMapOvr>
+  <mc:AlternateContent xmlns:mc="http://schemas.openxmlformats.org/markup-compatibility/2006">
+    <mc:Choice xmlns="" xmlns:p14="http://schemas.microsoft.com/office/powerpoint/2010/main" Requires="p14">
+      <p:transition spd="slow" p14:dur="2000"/>
+    </mc:Choice>
+    <mc:Fallback>
+      <p:transition spd="slow"/>
+    </mc:Fallback>
+  </mc:AlternateContent>
+  <p:timing>
+    <p:tnLst>
+      <p:par>
+        <p:cTn id="1" dur="indefinite" restart="never" nodeType="tmRoot"/>
+      </p:par>
+    </p:tnLst>
+  </p:timing>
+</p:sld>
+</file>
+
+<file path=ppt/slides/slide14.xml><?xml version="1.0" encoding="utf-8"?>
+<p:sld xmlns:a="http://schemas.openxmlformats.org/drawingml/2006/main" xmlns:r="http://schemas.openxmlformats.org/officeDocument/2006/relationships" xmlns:p="http://schemas.openxmlformats.org/presentationml/2006/main">
+  <p:cSld>
+    <p:spTree>
+      <p:nvGrpSpPr>
+        <p:cNvPr id="1" name=""/>
+        <p:cNvGrpSpPr/>
+        <p:nvPr/>
+      </p:nvGrpSpPr>
+      <p:grpSpPr>
+        <a:xfrm>
+          <a:off x="0" y="0"/>
+          <a:ext cx="0" cy="0"/>
+          <a:chOff x="0" y="0"/>
+          <a:chExt cx="0" cy="0"/>
+        </a:xfrm>
+      </p:grpSpPr>
       <p:pic>
         <p:nvPicPr>
           <p:cNvPr id="1026" name="Picture 2" descr="C:\Users\jkad\Desktop\Trainings\SoftReports\Pictures\1238776843_pic_id14985.jpeg"/>
@@ -6836,7 +7049,7 @@
           <a:blip r:embed="rId3" cstate="print">
             <a:extLst>
               <a:ext uri="{28A0092B-C50C-407E-A947-70E740481C1C}">
-                <a14:useLocalDpi xmlns:a14="http://schemas.microsoft.com/office/drawing/2010/main" xmlns="" val="0"/>
+                <a14:useLocalDpi xmlns="" xmlns:a14="http://schemas.microsoft.com/office/drawing/2010/main" val="0"/>
               </a:ext>
             </a:extLst>
           </a:blip>
@@ -6856,7 +7069,7 @@
           <a:noFill/>
           <a:extLst>
             <a:ext uri="{909E8E84-426E-40DD-AFC4-6F175D3DCCD1}">
-              <a14:hiddenFill xmlns:a14="http://schemas.microsoft.com/office/drawing/2010/main" xmlns="">
+              <a14:hiddenFill xmlns="" xmlns:a14="http://schemas.microsoft.com/office/drawing/2010/main">
                 <a:solidFill>
                   <a:srgbClr val="FFFFFF"/>
                 </a:solidFill>
@@ -6992,7 +7205,7 @@
     </p:spTree>
     <p:extLst>
       <p:ext uri="{BB962C8B-B14F-4D97-AF65-F5344CB8AC3E}">
-        <p14:creationId xmlns:p14="http://schemas.microsoft.com/office/powerpoint/2010/main" xmlns="" val="3400026356"/>
+        <p14:creationId xmlns="" xmlns:p14="http://schemas.microsoft.com/office/powerpoint/2010/main" val="3400026356"/>
       </p:ext>
     </p:extLst>
   </p:cSld>
@@ -7365,7 +7578,7 @@
     </p:spTree>
     <p:extLst>
       <p:ext uri="{BB962C8B-B14F-4D97-AF65-F5344CB8AC3E}">
-        <p14:creationId xmlns:p14="http://schemas.microsoft.com/office/powerpoint/2010/main" xmlns="" val="3292176594"/>
+        <p14:creationId xmlns="" xmlns:p14="http://schemas.microsoft.com/office/powerpoint/2010/main" val="3292176594"/>
       </p:ext>
     </p:extLst>
   </p:cSld>
@@ -9627,7 +9840,7 @@
     </p:spTree>
     <p:extLst>
       <p:ext uri="{BB962C8B-B14F-4D97-AF65-F5344CB8AC3E}">
-        <p14:creationId xmlns:p14="http://schemas.microsoft.com/office/powerpoint/2010/main" xmlns="" val="4060775951"/>
+        <p14:creationId xmlns="" xmlns:p14="http://schemas.microsoft.com/office/powerpoint/2010/main" val="4060775951"/>
       </p:ext>
     </p:extLst>
   </p:cSld>
@@ -9635,7 +9848,7 @@
     <a:masterClrMapping/>
   </p:clrMapOvr>
   <mc:AlternateContent xmlns:mc="http://schemas.openxmlformats.org/markup-compatibility/2006">
-    <mc:Choice xmlns:p14="http://schemas.microsoft.com/office/powerpoint/2010/main" xmlns="" Requires="p14">
+    <mc:Choice xmlns="" xmlns:p14="http://schemas.microsoft.com/office/powerpoint/2010/main" Requires="p14">
       <p:transition spd="slow" p14:dur="2000"/>
     </mc:Choice>
     <mc:Fallback>
@@ -12183,7 +12396,7 @@
     </p:spTree>
     <p:extLst>
       <p:ext uri="{BB962C8B-B14F-4D97-AF65-F5344CB8AC3E}">
-        <p14:creationId xmlns:p14="http://schemas.microsoft.com/office/powerpoint/2010/main" xmlns="" val="4060775951"/>
+        <p14:creationId xmlns="" xmlns:p14="http://schemas.microsoft.com/office/powerpoint/2010/main" val="4060775951"/>
       </p:ext>
     </p:extLst>
   </p:cSld>
@@ -12191,7 +12404,7 @@
     <a:masterClrMapping/>
   </p:clrMapOvr>
   <mc:AlternateContent xmlns:mc="http://schemas.openxmlformats.org/markup-compatibility/2006">
-    <mc:Choice xmlns:p14="http://schemas.microsoft.com/office/powerpoint/2010/main" xmlns="" Requires="p14">
+    <mc:Choice xmlns="" xmlns:p14="http://schemas.microsoft.com/office/powerpoint/2010/main" Requires="p14">
       <p:transition spd="slow" p14:dur="2000"/>
     </mc:Choice>
     <mc:Fallback>
@@ -12475,7 +12688,7 @@
     </p:spTree>
     <p:extLst>
       <p:ext uri="{BB962C8B-B14F-4D97-AF65-F5344CB8AC3E}">
-        <p14:creationId xmlns:p14="http://schemas.microsoft.com/office/powerpoint/2010/main" xmlns="" val="4060775951"/>
+        <p14:creationId xmlns="" xmlns:p14="http://schemas.microsoft.com/office/powerpoint/2010/main" val="4060775951"/>
       </p:ext>
     </p:extLst>
   </p:cSld>
@@ -12483,7 +12696,7 @@
     <a:masterClrMapping/>
   </p:clrMapOvr>
   <mc:AlternateContent xmlns:mc="http://schemas.openxmlformats.org/markup-compatibility/2006">
-    <mc:Choice xmlns:p14="http://schemas.microsoft.com/office/powerpoint/2010/main" xmlns="" Requires="p14">
+    <mc:Choice xmlns="" xmlns:p14="http://schemas.microsoft.com/office/powerpoint/2010/main" Requires="p14">
       <p:transition spd="slow" p14:dur="2000"/>
     </mc:Choice>
     <mc:Fallback>
@@ -12697,7 +12910,7 @@
     </p:spTree>
     <p:extLst>
       <p:ext uri="{BB962C8B-B14F-4D97-AF65-F5344CB8AC3E}">
-        <p14:creationId xmlns:p14="http://schemas.microsoft.com/office/powerpoint/2010/main" xmlns="" val="4060775951"/>
+        <p14:creationId xmlns="" xmlns:p14="http://schemas.microsoft.com/office/powerpoint/2010/main" val="4060775951"/>
       </p:ext>
     </p:extLst>
   </p:cSld>
@@ -12705,7 +12918,7 @@
     <a:masterClrMapping/>
   </p:clrMapOvr>
   <mc:AlternateContent xmlns:mc="http://schemas.openxmlformats.org/markup-compatibility/2006">
-    <mc:Choice xmlns:p14="http://schemas.microsoft.com/office/powerpoint/2010/main" xmlns="" Requires="p14">
+    <mc:Choice xmlns="" xmlns:p14="http://schemas.microsoft.com/office/powerpoint/2010/main" Requires="p14">
       <p:transition spd="slow" p14:dur="2000"/>
     </mc:Choice>
     <mc:Fallback>
@@ -12832,7 +13045,7 @@
     </p:spTree>
     <p:extLst>
       <p:ext uri="{BB962C8B-B14F-4D97-AF65-F5344CB8AC3E}">
-        <p14:creationId xmlns:p14="http://schemas.microsoft.com/office/powerpoint/2010/main" xmlns="" val="4060775951"/>
+        <p14:creationId xmlns="" xmlns:p14="http://schemas.microsoft.com/office/powerpoint/2010/main" val="4060775951"/>
       </p:ext>
     </p:extLst>
   </p:cSld>
@@ -12840,7 +13053,7 @@
     <a:masterClrMapping/>
   </p:clrMapOvr>
   <mc:AlternateContent xmlns:mc="http://schemas.openxmlformats.org/markup-compatibility/2006">
-    <mc:Choice xmlns:p14="http://schemas.microsoft.com/office/powerpoint/2010/main" xmlns="" Requires="p14">
+    <mc:Choice xmlns="" xmlns:p14="http://schemas.microsoft.com/office/powerpoint/2010/main" Requires="p14">
       <p:transition spd="slow" p14:dur="2000"/>
     </mc:Choice>
     <mc:Fallback>
@@ -12914,21 +13127,6 @@
               </a:rPr>
               <a:t>VMware Workstation</a:t>
             </a:r>
-            <a:endParaRPr lang="en-US" sz="3500" dirty="0" smtClean="0">
-              <a:solidFill>
-                <a:schemeClr val="tx1">
-                  <a:lumMod val="65000"/>
-                  <a:lumOff val="35000"/>
-                </a:schemeClr>
-              </a:solidFill>
-              <a:effectLst>
-                <a:outerShdw blurRad="38100" dist="38100" dir="2700000" algn="tl">
-                  <a:srgbClr val="000000">
-                    <a:alpha val="43137"/>
-                  </a:srgbClr>
-                </a:outerShdw>
-              </a:effectLst>
-            </a:endParaRPr>
           </a:p>
         </p:txBody>
       </p:sp>
@@ -12955,15 +13153,7 @@
           <a:p>
             <a:r>
               <a:rPr lang="en-US" dirty="0" smtClean="0"/>
-              <a:t>With </a:t>
-            </a:r>
-            <a:r>
-              <a:rPr lang="en-US" dirty="0" smtClean="0"/>
-              <a:t>Workstation, </a:t>
-            </a:r>
-            <a:r>
-              <a:rPr lang="en-US" dirty="0" smtClean="0"/>
-              <a:t>you can </a:t>
+              <a:t>With Workstation, you can </a:t>
             </a:r>
             <a:r>
               <a:rPr lang="en-US" b="1" u="sng" dirty="0" smtClean="0"/>
@@ -12981,20 +13171,11 @@
               <a:rPr lang="en-US" dirty="0" smtClean="0"/>
               <a:t>, 8 TB virtual disks, and 64 GB of memory to run the most demanding applications in a virtualized environment. </a:t>
             </a:r>
-            <a:endParaRPr lang="en-US" dirty="0" smtClean="0"/>
           </a:p>
           <a:p>
             <a:r>
               <a:rPr lang="en-US" dirty="0" smtClean="0"/>
-              <a:t>It supports </a:t>
-            </a:r>
-            <a:r>
-              <a:rPr lang="en-US" dirty="0" smtClean="0"/>
-              <a:t>the latest version of Windows and </a:t>
-            </a:r>
-            <a:r>
-              <a:rPr lang="en-US" dirty="0" smtClean="0"/>
-              <a:t>Linux (</a:t>
+              <a:t>It supports the latest version of Windows and Linux (</a:t>
             </a:r>
             <a:r>
               <a:rPr lang="en-US" dirty="0" smtClean="0">
@@ -13010,15 +13191,7 @@
           <a:p>
             <a:r>
               <a:rPr lang="en-US" dirty="0" smtClean="0"/>
-              <a:t>It responds </a:t>
-            </a:r>
-            <a:r>
-              <a:rPr lang="en-US" dirty="0" smtClean="0"/>
-              <a:t>when a user juggles their </a:t>
-            </a:r>
-            <a:r>
-              <a:rPr lang="en-US" dirty="0" smtClean="0"/>
-              <a:t>tablet.</a:t>
+              <a:t>It responds when a user juggles their tablet.</a:t>
             </a:r>
             <a:endParaRPr lang="ru-RU" dirty="0"/>
           </a:p>
@@ -13051,7 +13224,7 @@
     </p:spTree>
     <p:extLst>
       <p:ext uri="{BB962C8B-B14F-4D97-AF65-F5344CB8AC3E}">
-        <p14:creationId xmlns:p14="http://schemas.microsoft.com/office/powerpoint/2010/main" xmlns="" val="4060775951"/>
+        <p14:creationId xmlns="" xmlns:p14="http://schemas.microsoft.com/office/powerpoint/2010/main" val="4060775951"/>
       </p:ext>
     </p:extLst>
   </p:cSld>
@@ -13059,7 +13232,7 @@
     <a:masterClrMapping/>
   </p:clrMapOvr>
   <mc:AlternateContent xmlns:mc="http://schemas.openxmlformats.org/markup-compatibility/2006">
-    <mc:Choice xmlns:p14="http://schemas.microsoft.com/office/powerpoint/2010/main" xmlns="" Requires="p14">
+    <mc:Choice xmlns="" xmlns:p14="http://schemas.microsoft.com/office/powerpoint/2010/main" Requires="p14">
       <p:transition spd="slow" p14:dur="2000"/>
     </mc:Choice>
     <mc:Fallback>
@@ -13229,7 +13402,7 @@
     </p:spTree>
     <p:extLst>
       <p:ext uri="{BB962C8B-B14F-4D97-AF65-F5344CB8AC3E}">
-        <p14:creationId xmlns:p14="http://schemas.microsoft.com/office/powerpoint/2010/main" xmlns="" val="4060775951"/>
+        <p14:creationId xmlns="" xmlns:p14="http://schemas.microsoft.com/office/powerpoint/2010/main" val="4060775951"/>
       </p:ext>
     </p:extLst>
   </p:cSld>
@@ -13237,7 +13410,7 @@
     <a:masterClrMapping/>
   </p:clrMapOvr>
   <mc:AlternateContent xmlns:mc="http://schemas.openxmlformats.org/markup-compatibility/2006">
-    <mc:Choice xmlns:p14="http://schemas.microsoft.com/office/powerpoint/2010/main" xmlns="" Requires="p14">
+    <mc:Choice xmlns="" xmlns:p14="http://schemas.microsoft.com/office/powerpoint/2010/main" Requires="p14">
       <p:transition spd="slow" p14:dur="2000"/>
     </mc:Choice>
     <mc:Fallback>

--- a/inna/Занятие9/Занятие 9.pptx
+++ b/inna/Занятие9/Занятие 9.pptx
@@ -122,7 +122,7 @@
   </p:defaultTextStyle>
   <p:extLst>
     <p:ext uri="{EFAFB233-063F-42B5-8137-9DF3F51BA10A}">
-      <p15:sldGuideLst xmlns="" xmlns:p15="http://schemas.microsoft.com/office/powerpoint/2012/main">
+      <p15:sldGuideLst xmlns:p15="http://schemas.microsoft.com/office/powerpoint/2012/main" xmlns="">
         <p15:guide id="1" orient="horz" pos="2160">
           <p15:clr>
             <a:srgbClr val="A4A3A4"/>
@@ -222,7 +222,7 @@
             <a:fld id="{7FCDCAFE-ED6D-40DE-BB2A-6C2FAE0E1B23}" type="datetimeFigureOut">
               <a:rPr lang="en-US" smtClean="0"/>
               <a:pPr/>
-              <a:t>21-Feb-15</a:t>
+              <a:t>02-Mar-15</a:t>
             </a:fld>
             <a:endParaRPr lang="en-US"/>
           </a:p>
@@ -391,7 +391,7 @@
     </p:spTree>
     <p:extLst>
       <p:ext uri="{BB962C8B-B14F-4D97-AF65-F5344CB8AC3E}">
-        <p14:creationId xmlns="" xmlns:p14="http://schemas.microsoft.com/office/powerpoint/2010/main" val="616035265"/>
+        <p14:creationId xmlns:p14="http://schemas.microsoft.com/office/powerpoint/2010/main" xmlns="" val="616035265"/>
       </p:ext>
     </p:extLst>
   </p:cSld>
@@ -1031,14 +1031,7 @@
           </a:bodyPr>
           <a:lstStyle/>
           <a:p>
-            <a:r>
-              <a:rPr lang="en-US" baseline="0" dirty="0" smtClean="0"/>
-              <a:t>http://www.telerik.com/fiddler - </a:t>
-            </a:r>
-            <a:r>
-              <a:rPr lang="ru-RU" baseline="0" dirty="0" smtClean="0"/>
-              <a:t>вот их сайт</a:t>
-            </a:r>
+            <a:endParaRPr lang="ru-RU" baseline="0" dirty="0" smtClean="0"/>
           </a:p>
         </p:txBody>
       </p:sp>
@@ -2784,6 +2777,37 @@
             <a:endParaRPr lang="ru-RU" baseline="0" dirty="0" smtClean="0"/>
           </a:p>
           <a:p>
+            <a:endParaRPr lang="ru-RU" baseline="0" dirty="0" smtClean="0"/>
+          </a:p>
+          <a:p>
+            <a:r>
+              <a:rPr lang="ru-RU" baseline="0" dirty="0" smtClean="0"/>
+              <a:t>Так же можно использовать </a:t>
+            </a:r>
+            <a:r>
+              <a:rPr lang="en-US" baseline="0" dirty="0" smtClean="0"/>
+              <a:t>Virtual PC</a:t>
+            </a:r>
+            <a:r>
+              <a:rPr lang="ru-RU" baseline="0" dirty="0" smtClean="0"/>
+              <a:t> или </a:t>
+            </a:r>
+            <a:r>
+              <a:rPr lang="en-US" baseline="0" dirty="0" smtClean="0"/>
+              <a:t>Virtual Box </a:t>
+            </a:r>
+            <a:r>
+              <a:rPr lang="ru-RU" baseline="0" dirty="0" smtClean="0"/>
+              <a:t>от </a:t>
+            </a:r>
+            <a:r>
+              <a:rPr lang="en-US" baseline="0" dirty="0" smtClean="0"/>
+              <a:t>Oracle</a:t>
+            </a:r>
+            <a:r>
+              <a:rPr lang="ru-RU" baseline="0" dirty="0" smtClean="0"/>
+              <a:t>.</a:t>
+            </a:r>
             <a:endParaRPr lang="ru-RU" baseline="0" dirty="0" smtClean="0"/>
           </a:p>
         </p:txBody>
@@ -3331,7 +3355,7 @@
             <a:fld id="{1D8BD707-D9CF-40AE-B4C6-C98DA3205C09}" type="datetimeFigureOut">
               <a:rPr lang="en-US" smtClean="0"/>
               <a:pPr/>
-              <a:t>21-Feb-15</a:t>
+              <a:t>02-Mar-15</a:t>
             </a:fld>
             <a:endParaRPr lang="en-US"/>
           </a:p>
@@ -3498,7 +3522,7 @@
             <a:fld id="{1D8BD707-D9CF-40AE-B4C6-C98DA3205C09}" type="datetimeFigureOut">
               <a:rPr lang="en-US" smtClean="0"/>
               <a:pPr/>
-              <a:t>21-Feb-15</a:t>
+              <a:t>02-Mar-15</a:t>
             </a:fld>
             <a:endParaRPr lang="en-US"/>
           </a:p>
@@ -3675,7 +3699,7 @@
             <a:fld id="{1D8BD707-D9CF-40AE-B4C6-C98DA3205C09}" type="datetimeFigureOut">
               <a:rPr lang="en-US" smtClean="0"/>
               <a:pPr/>
-              <a:t>21-Feb-15</a:t>
+              <a:t>02-Mar-15</a:t>
             </a:fld>
             <a:endParaRPr lang="en-US"/>
           </a:p>
@@ -3842,7 +3866,7 @@
             <a:fld id="{1D8BD707-D9CF-40AE-B4C6-C98DA3205C09}" type="datetimeFigureOut">
               <a:rPr lang="en-US" smtClean="0"/>
               <a:pPr/>
-              <a:t>21-Feb-15</a:t>
+              <a:t>02-Mar-15</a:t>
             </a:fld>
             <a:endParaRPr lang="en-US"/>
           </a:p>
@@ -4085,7 +4109,7 @@
             <a:fld id="{1D8BD707-D9CF-40AE-B4C6-C98DA3205C09}" type="datetimeFigureOut">
               <a:rPr lang="en-US" smtClean="0"/>
               <a:pPr/>
-              <a:t>21-Feb-15</a:t>
+              <a:t>02-Mar-15</a:t>
             </a:fld>
             <a:endParaRPr lang="en-US"/>
           </a:p>
@@ -4370,7 +4394,7 @@
             <a:fld id="{1D8BD707-D9CF-40AE-B4C6-C98DA3205C09}" type="datetimeFigureOut">
               <a:rPr lang="en-US" smtClean="0"/>
               <a:pPr/>
-              <a:t>21-Feb-15</a:t>
+              <a:t>02-Mar-15</a:t>
             </a:fld>
             <a:endParaRPr lang="en-US"/>
           </a:p>
@@ -4789,7 +4813,7 @@
             <a:fld id="{1D8BD707-D9CF-40AE-B4C6-C98DA3205C09}" type="datetimeFigureOut">
               <a:rPr lang="en-US" smtClean="0"/>
               <a:pPr/>
-              <a:t>21-Feb-15</a:t>
+              <a:t>02-Mar-15</a:t>
             </a:fld>
             <a:endParaRPr lang="en-US"/>
           </a:p>
@@ -4904,7 +4928,7 @@
             <a:fld id="{1D8BD707-D9CF-40AE-B4C6-C98DA3205C09}" type="datetimeFigureOut">
               <a:rPr lang="en-US" smtClean="0"/>
               <a:pPr/>
-              <a:t>21-Feb-15</a:t>
+              <a:t>02-Mar-15</a:t>
             </a:fld>
             <a:endParaRPr lang="en-US"/>
           </a:p>
@@ -4996,7 +5020,7 @@
             <a:fld id="{1D8BD707-D9CF-40AE-B4C6-C98DA3205C09}" type="datetimeFigureOut">
               <a:rPr lang="en-US" smtClean="0"/>
               <a:pPr/>
-              <a:t>21-Feb-15</a:t>
+              <a:t>02-Mar-15</a:t>
             </a:fld>
             <a:endParaRPr lang="en-US"/>
           </a:p>
@@ -5270,7 +5294,7 @@
             <a:fld id="{1D8BD707-D9CF-40AE-B4C6-C98DA3205C09}" type="datetimeFigureOut">
               <a:rPr lang="en-US" smtClean="0"/>
               <a:pPr/>
-              <a:t>21-Feb-15</a:t>
+              <a:t>02-Mar-15</a:t>
             </a:fld>
             <a:endParaRPr lang="en-US"/>
           </a:p>
@@ -5520,7 +5544,7 @@
             <a:fld id="{1D8BD707-D9CF-40AE-B4C6-C98DA3205C09}" type="datetimeFigureOut">
               <a:rPr lang="en-US" smtClean="0"/>
               <a:pPr/>
-              <a:t>21-Feb-15</a:t>
+              <a:t>02-Mar-15</a:t>
             </a:fld>
             <a:endParaRPr lang="en-US"/>
           </a:p>
@@ -5739,7 +5763,7 @@
             <a:fld id="{1D8BD707-D9CF-40AE-B4C6-C98DA3205C09}" type="datetimeFigureOut">
               <a:rPr lang="en-US" smtClean="0"/>
               <a:pPr/>
-              <a:t>21-Feb-15</a:t>
+              <a:t>02-Mar-15</a:t>
             </a:fld>
             <a:endParaRPr lang="en-US"/>
           </a:p>
@@ -6209,7 +6233,7 @@
     </p:spTree>
     <p:extLst>
       <p:ext uri="{BB962C8B-B14F-4D97-AF65-F5344CB8AC3E}">
-        <p14:creationId xmlns="" xmlns:p14="http://schemas.microsoft.com/office/powerpoint/2010/main" val="1766645597"/>
+        <p14:creationId xmlns:p14="http://schemas.microsoft.com/office/powerpoint/2010/main" xmlns="" val="1766645597"/>
       </p:ext>
     </p:extLst>
   </p:cSld>
@@ -6379,7 +6403,7 @@
     </p:spTree>
     <p:extLst>
       <p:ext uri="{BB962C8B-B14F-4D97-AF65-F5344CB8AC3E}">
-        <p14:creationId xmlns="" xmlns:p14="http://schemas.microsoft.com/office/powerpoint/2010/main" val="4060775951"/>
+        <p14:creationId xmlns:p14="http://schemas.microsoft.com/office/powerpoint/2010/main" xmlns="" val="4060775951"/>
       </p:ext>
     </p:extLst>
   </p:cSld>
@@ -6387,7 +6411,7 @@
     <a:masterClrMapping/>
   </p:clrMapOvr>
   <mc:AlternateContent xmlns:mc="http://schemas.openxmlformats.org/markup-compatibility/2006">
-    <mc:Choice xmlns="" xmlns:p14="http://schemas.microsoft.com/office/powerpoint/2010/main" Requires="p14">
+    <mc:Choice xmlns:p14="http://schemas.microsoft.com/office/powerpoint/2010/main" xmlns="" Requires="p14">
       <p:transition spd="slow" p14:dur="2000"/>
     </mc:Choice>
     <mc:Fallback>
@@ -6588,7 +6612,7 @@
     </p:spTree>
     <p:extLst>
       <p:ext uri="{BB962C8B-B14F-4D97-AF65-F5344CB8AC3E}">
-        <p14:creationId xmlns="" xmlns:p14="http://schemas.microsoft.com/office/powerpoint/2010/main" val="4060775951"/>
+        <p14:creationId xmlns:p14="http://schemas.microsoft.com/office/powerpoint/2010/main" xmlns="" val="4060775951"/>
       </p:ext>
     </p:extLst>
   </p:cSld>
@@ -6596,7 +6620,7 @@
     <a:masterClrMapping/>
   </p:clrMapOvr>
   <mc:AlternateContent xmlns:mc="http://schemas.openxmlformats.org/markup-compatibility/2006">
-    <mc:Choice xmlns="" xmlns:p14="http://schemas.microsoft.com/office/powerpoint/2010/main" Requires="p14">
+    <mc:Choice xmlns:p14="http://schemas.microsoft.com/office/powerpoint/2010/main" xmlns="" Requires="p14">
       <p:transition spd="slow" p14:dur="2000"/>
     </mc:Choice>
     <mc:Fallback>
@@ -6761,10 +6785,34 @@
           </a:p>
         </p:txBody>
       </p:sp>
+      <p:pic>
+        <p:nvPicPr>
+          <p:cNvPr id="6" name="Рисунок 5" descr="capture-all-http-traffic.png"/>
+          <p:cNvPicPr>
+            <a:picLocks noChangeAspect="1"/>
+          </p:cNvPicPr>
+          <p:nvPr/>
+        </p:nvPicPr>
+        <p:blipFill>
+          <a:blip r:embed="rId3" cstate="print"/>
+          <a:stretch>
+            <a:fillRect/>
+          </a:stretch>
+        </p:blipFill>
+        <p:spPr>
+          <a:xfrm>
+            <a:off x="539551" y="1196752"/>
+            <a:ext cx="5029835" cy="3528392"/>
+          </a:xfrm>
+          <a:prstGeom prst="rect">
+            <a:avLst/>
+          </a:prstGeom>
+        </p:spPr>
+      </p:pic>
     </p:spTree>
     <p:extLst>
       <p:ext uri="{BB962C8B-B14F-4D97-AF65-F5344CB8AC3E}">
-        <p14:creationId xmlns="" xmlns:p14="http://schemas.microsoft.com/office/powerpoint/2010/main" val="4060775951"/>
+        <p14:creationId xmlns:p14="http://schemas.microsoft.com/office/powerpoint/2010/main" xmlns="" val="4060775951"/>
       </p:ext>
     </p:extLst>
   </p:cSld>
@@ -6772,7 +6820,7 @@
     <a:masterClrMapping/>
   </p:clrMapOvr>
   <mc:AlternateContent xmlns:mc="http://schemas.openxmlformats.org/markup-compatibility/2006">
-    <mc:Choice xmlns="" xmlns:p14="http://schemas.microsoft.com/office/powerpoint/2010/main" Requires="p14">
+    <mc:Choice xmlns:p14="http://schemas.microsoft.com/office/powerpoint/2010/main" xmlns="" Requires="p14">
       <p:transition spd="slow" p14:dur="2000"/>
     </mc:Choice>
     <mc:Fallback>
@@ -6815,7 +6863,7 @@
         <p:spPr>
           <a:xfrm>
             <a:off x="457200" y="533400"/>
-            <a:ext cx="1356782" cy="630942"/>
+            <a:ext cx="1416093" cy="630942"/>
           </a:xfrm>
           <a:prstGeom prst="rect">
             <a:avLst/>
@@ -6844,7 +6892,25 @@
                   </a:outerShdw>
                 </a:effectLst>
               </a:rPr>
-              <a:t>others</a:t>
+              <a:t>O</a:t>
+            </a:r>
+            <a:r>
+              <a:rPr lang="en-US" sz="3500" dirty="0" smtClean="0">
+                <a:solidFill>
+                  <a:schemeClr val="tx1">
+                    <a:lumMod val="65000"/>
+                    <a:lumOff val="35000"/>
+                  </a:schemeClr>
+                </a:solidFill>
+                <a:effectLst>
+                  <a:outerShdw blurRad="38100" dist="38100" dir="2700000" algn="tl">
+                    <a:srgbClr val="000000">
+                      <a:alpha val="43137"/>
+                    </a:srgbClr>
+                  </a:outerShdw>
+                </a:effectLst>
+              </a:rPr>
+              <a:t>thers</a:t>
             </a:r>
             <a:endParaRPr lang="en-US" sz="3500" dirty="0" smtClean="0">
               <a:solidFill>
@@ -6873,7 +6939,7 @@
         <p:spPr>
           <a:xfrm>
             <a:off x="539552" y="1268760"/>
-            <a:ext cx="7992888" cy="2031325"/>
+            <a:ext cx="7992888" cy="3693319"/>
           </a:xfrm>
           <a:prstGeom prst="rect">
             <a:avLst/>
@@ -6885,12 +6951,31 @@
           </a:bodyPr>
           <a:lstStyle/>
           <a:p>
-            <a:pPr fontAlgn="base"/>
+            <a:pPr lvl="1" fontAlgn="base">
+              <a:buFont typeface="Wingdings" pitchFamily="2" charset="2"/>
+              <a:buChar char="Ø"/>
+            </a:pPr>
+            <a:r>
+              <a:rPr lang="en-US" b="1" dirty="0" smtClean="0"/>
+              <a:t>Markup Validation Service:</a:t>
+            </a:r>
+            <a:endParaRPr lang="en-US" b="1" dirty="0" smtClean="0">
+              <a:hlinkClick r:id="rId3"/>
+            </a:endParaRPr>
+          </a:p>
+          <a:p>
+            <a:pPr lvl="1" fontAlgn="base"/>
             <a:r>
               <a:rPr lang="en-US" dirty="0" smtClean="0">
                 <a:hlinkClick r:id="rId3"/>
               </a:rPr>
-              <a:t>http://validator.w3.org</a:t>
+              <a:t>http</a:t>
+            </a:r>
+            <a:r>
+              <a:rPr lang="en-US" dirty="0" smtClean="0">
+                <a:hlinkClick r:id="rId3"/>
+              </a:rPr>
+              <a:t>://validator.w3.org</a:t>
             </a:r>
             <a:r>
               <a:rPr lang="en-US" dirty="0" smtClean="0">
@@ -6901,93 +6986,106 @@
             <a:endParaRPr lang="en-US" dirty="0" smtClean="0"/>
           </a:p>
           <a:p>
-            <a:pPr fontAlgn="base"/>
-            <a:r>
-              <a:rPr lang="en-US" b="1" dirty="0" smtClean="0">
+            <a:pPr lvl="1" fontAlgn="base"/>
+            <a:endParaRPr lang="en-US" dirty="0" smtClean="0"/>
+          </a:p>
+          <a:p>
+            <a:pPr lvl="1" fontAlgn="base">
+              <a:buFont typeface="Wingdings" pitchFamily="2" charset="2"/>
+              <a:buChar char="Ø"/>
+            </a:pPr>
+            <a:r>
+              <a:rPr lang="en-US" b="1" dirty="0" smtClean="0"/>
+              <a:t>Browser Compatibility Tests:</a:t>
+            </a:r>
+          </a:p>
+          <a:p>
+            <a:pPr lvl="1" fontAlgn="base"/>
+            <a:r>
+              <a:rPr lang="en-US" dirty="0" smtClean="0">
                 <a:hlinkClick r:id="rId4"/>
               </a:rPr>
-              <a:t>http://</a:t>
-            </a:r>
-            <a:r>
-              <a:rPr lang="en-US" b="1" dirty="0" smtClean="0">
-                <a:hlinkClick r:id="rId4"/>
-              </a:rPr>
-              <a:t>browsershots.org</a:t>
-            </a:r>
-            <a:endParaRPr lang="en-US" b="1" dirty="0" smtClean="0"/>
-          </a:p>
-          <a:p>
-            <a:pPr fontAlgn="base"/>
-            <a:r>
-              <a:rPr lang="en-US" b="1" dirty="0" smtClean="0">
+              <a:t>http://browsershots.org</a:t>
+            </a:r>
+            <a:endParaRPr lang="en-US" dirty="0" smtClean="0"/>
+          </a:p>
+          <a:p>
+            <a:pPr lvl="1" fontAlgn="base"/>
+            <a:endParaRPr lang="en-US" dirty="0" smtClean="0"/>
+          </a:p>
+          <a:p>
+            <a:pPr lvl="1" fontAlgn="base">
+              <a:buFont typeface="Wingdings" pitchFamily="2" charset="2"/>
+              <a:buChar char="Ø"/>
+            </a:pPr>
+            <a:r>
+              <a:rPr lang="en-US" b="1" dirty="0" smtClean="0"/>
+              <a:t>Tools for Usability Testing:</a:t>
+            </a:r>
+            <a:endParaRPr lang="en-US" b="1" dirty="0" smtClean="0">
+              <a:hlinkClick r:id="rId5"/>
+            </a:endParaRPr>
+          </a:p>
+          <a:p>
+            <a:pPr lvl="1" fontAlgn="base"/>
+            <a:r>
+              <a:rPr lang="en-US" dirty="0" smtClean="0">
                 <a:hlinkClick r:id="rId5"/>
               </a:rPr>
-              <a:t>http://habrahabr.ru/company/eurostudio/blog/109010</a:t>
-            </a:r>
-            <a:r>
-              <a:rPr lang="en-US" b="1" dirty="0" smtClean="0">
+              <a:t>http</a:t>
+            </a:r>
+            <a:r>
+              <a:rPr lang="en-US" dirty="0" smtClean="0">
+                <a:hlinkClick r:id="rId5"/>
+              </a:rPr>
+              <a:t>://habrahabr.ru/company/eurostudio/blog/109010</a:t>
+            </a:r>
+            <a:r>
+              <a:rPr lang="en-US" dirty="0" smtClean="0">
                 <a:hlinkClick r:id="rId5"/>
               </a:rPr>
               <a:t>/</a:t>
             </a:r>
-            <a:endParaRPr lang="en-US" b="1" dirty="0" smtClean="0"/>
-          </a:p>
-          <a:p>
-            <a:pPr fontAlgn="base"/>
-            <a:r>
-              <a:rPr lang="en-US" b="1" dirty="0" smtClean="0">
+            <a:endParaRPr lang="en-US" dirty="0" smtClean="0"/>
+          </a:p>
+          <a:p>
+            <a:pPr lvl="1" fontAlgn="base"/>
+            <a:endParaRPr lang="en-US" dirty="0" smtClean="0"/>
+          </a:p>
+          <a:p>
+            <a:pPr lvl="1" fontAlgn="base">
+              <a:buFont typeface="Wingdings" pitchFamily="2" charset="2"/>
+              <a:buChar char="Ø"/>
+            </a:pPr>
+            <a:r>
+              <a:rPr lang="en-US" b="1" dirty="0" smtClean="0"/>
+              <a:t>Website Crawler Tool:</a:t>
+            </a:r>
+            <a:endParaRPr lang="en-US" b="1" dirty="0" smtClean="0">
+              <a:hlinkClick r:id="rId6"/>
+            </a:endParaRPr>
+          </a:p>
+          <a:p>
+            <a:pPr lvl="1" fontAlgn="base"/>
+            <a:r>
+              <a:rPr lang="en-US" dirty="0" smtClean="0">
                 <a:hlinkClick r:id="rId6"/>
               </a:rPr>
-              <a:t>http://</a:t>
-            </a:r>
-            <a:r>
-              <a:rPr lang="en-US" b="1" dirty="0" smtClean="0">
+              <a:t>http</a:t>
+            </a:r>
+            <a:r>
+              <a:rPr lang="en-US" dirty="0" smtClean="0">
                 <a:hlinkClick r:id="rId6"/>
               </a:rPr>
-              <a:t>brokenlinklookup.com</a:t>
-            </a:r>
-            <a:endParaRPr lang="en-US" b="1" dirty="0" smtClean="0"/>
-          </a:p>
-          <a:p>
-            <a:pPr fontAlgn="base"/>
-            <a:r>
-              <a:rPr lang="en-US" b="1" dirty="0" smtClean="0">
-                <a:hlinkClick r:id="rId7"/>
-              </a:rPr>
-              <a:t>http://</a:t>
-            </a:r>
-            <a:r>
-              <a:rPr lang="en-US" b="1" dirty="0" smtClean="0">
-                <a:hlinkClick r:id="rId7"/>
-              </a:rPr>
-              <a:t>validator.w3.org/checklink</a:t>
-            </a:r>
-            <a:endParaRPr lang="en-US" b="1" dirty="0" smtClean="0"/>
-          </a:p>
-          <a:p>
-            <a:pPr fontAlgn="base"/>
-            <a:r>
-              <a:rPr lang="en-US" b="1" smtClean="0">
-                <a:hlinkClick r:id="rId8"/>
-              </a:rPr>
-              <a:t>http://</a:t>
-            </a:r>
-            <a:r>
-              <a:rPr lang="en-US" b="1" smtClean="0">
-                <a:hlinkClick r:id="rId8"/>
-              </a:rPr>
-              <a:t>freetools.webmasterworld.com/tools/crawler-google-sitemap-generator</a:t>
-            </a:r>
-            <a:r>
-              <a:rPr lang="en-US" b="1" smtClean="0">
-                <a:hlinkClick r:id="rId8"/>
-              </a:rPr>
-              <a:t>/</a:t>
-            </a:r>
-            <a:endParaRPr lang="en-US" b="1" smtClean="0"/>
-          </a:p>
-          <a:p>
-            <a:pPr fontAlgn="base"/>
+              <a:t>://freetools.webmasterworld.com/tools/crawler-google-sitemap-generator/</a:t>
+            </a:r>
+            <a:endParaRPr lang="en-US" dirty="0" smtClean="0"/>
+          </a:p>
+          <a:p>
+            <a:pPr lvl="1" fontAlgn="base">
+              <a:buFont typeface="Wingdings" pitchFamily="2" charset="2"/>
+              <a:buChar char="Ø"/>
+            </a:pPr>
             <a:endParaRPr lang="en-US" b="1" dirty="0" smtClean="0"/>
           </a:p>
         </p:txBody>
@@ -6995,7 +7093,7 @@
     </p:spTree>
     <p:extLst>
       <p:ext uri="{BB962C8B-B14F-4D97-AF65-F5344CB8AC3E}">
-        <p14:creationId xmlns="" xmlns:p14="http://schemas.microsoft.com/office/powerpoint/2010/main" val="4060775951"/>
+        <p14:creationId xmlns:p14="http://schemas.microsoft.com/office/powerpoint/2010/main" xmlns="" val="4060775951"/>
       </p:ext>
     </p:extLst>
   </p:cSld>
@@ -7003,7 +7101,7 @@
     <a:masterClrMapping/>
   </p:clrMapOvr>
   <mc:AlternateContent xmlns:mc="http://schemas.openxmlformats.org/markup-compatibility/2006">
-    <mc:Choice xmlns="" xmlns:p14="http://schemas.microsoft.com/office/powerpoint/2010/main" Requires="p14">
+    <mc:Choice xmlns:p14="http://schemas.microsoft.com/office/powerpoint/2010/main" xmlns="" Requires="p14">
       <p:transition spd="slow" p14:dur="2000"/>
     </mc:Choice>
     <mc:Fallback>
@@ -7049,7 +7147,7 @@
           <a:blip r:embed="rId3" cstate="print">
             <a:extLst>
               <a:ext uri="{28A0092B-C50C-407E-A947-70E740481C1C}">
-                <a14:useLocalDpi xmlns="" xmlns:a14="http://schemas.microsoft.com/office/drawing/2010/main" val="0"/>
+                <a14:useLocalDpi xmlns:a14="http://schemas.microsoft.com/office/drawing/2010/main" xmlns="" val="0"/>
               </a:ext>
             </a:extLst>
           </a:blip>
@@ -7069,7 +7167,7 @@
           <a:noFill/>
           <a:extLst>
             <a:ext uri="{909E8E84-426E-40DD-AFC4-6F175D3DCCD1}">
-              <a14:hiddenFill xmlns="" xmlns:a14="http://schemas.microsoft.com/office/drawing/2010/main">
+              <a14:hiddenFill xmlns:a14="http://schemas.microsoft.com/office/drawing/2010/main" xmlns="">
                 <a:solidFill>
                   <a:srgbClr val="FFFFFF"/>
                 </a:solidFill>
@@ -7205,7 +7303,7 @@
     </p:spTree>
     <p:extLst>
       <p:ext uri="{BB962C8B-B14F-4D97-AF65-F5344CB8AC3E}">
-        <p14:creationId xmlns="" xmlns:p14="http://schemas.microsoft.com/office/powerpoint/2010/main" val="3400026356"/>
+        <p14:creationId xmlns:p14="http://schemas.microsoft.com/office/powerpoint/2010/main" xmlns="" val="3400026356"/>
       </p:ext>
     </p:extLst>
   </p:cSld>
@@ -7578,7 +7676,7 @@
     </p:spTree>
     <p:extLst>
       <p:ext uri="{BB962C8B-B14F-4D97-AF65-F5344CB8AC3E}">
-        <p14:creationId xmlns="" xmlns:p14="http://schemas.microsoft.com/office/powerpoint/2010/main" val="3292176594"/>
+        <p14:creationId xmlns:p14="http://schemas.microsoft.com/office/powerpoint/2010/main" xmlns="" val="3292176594"/>
       </p:ext>
     </p:extLst>
   </p:cSld>
@@ -9840,7 +9938,7 @@
     </p:spTree>
     <p:extLst>
       <p:ext uri="{BB962C8B-B14F-4D97-AF65-F5344CB8AC3E}">
-        <p14:creationId xmlns="" xmlns:p14="http://schemas.microsoft.com/office/powerpoint/2010/main" val="4060775951"/>
+        <p14:creationId xmlns:p14="http://schemas.microsoft.com/office/powerpoint/2010/main" xmlns="" val="4060775951"/>
       </p:ext>
     </p:extLst>
   </p:cSld>
@@ -9848,7 +9946,7 @@
     <a:masterClrMapping/>
   </p:clrMapOvr>
   <mc:AlternateContent xmlns:mc="http://schemas.openxmlformats.org/markup-compatibility/2006">
-    <mc:Choice xmlns="" xmlns:p14="http://schemas.microsoft.com/office/powerpoint/2010/main" Requires="p14">
+    <mc:Choice xmlns:p14="http://schemas.microsoft.com/office/powerpoint/2010/main" xmlns="" Requires="p14">
       <p:transition spd="slow" p14:dur="2000"/>
     </mc:Choice>
     <mc:Fallback>
@@ -12396,7 +12494,7 @@
     </p:spTree>
     <p:extLst>
       <p:ext uri="{BB962C8B-B14F-4D97-AF65-F5344CB8AC3E}">
-        <p14:creationId xmlns="" xmlns:p14="http://schemas.microsoft.com/office/powerpoint/2010/main" val="4060775951"/>
+        <p14:creationId xmlns:p14="http://schemas.microsoft.com/office/powerpoint/2010/main" xmlns="" val="4060775951"/>
       </p:ext>
     </p:extLst>
   </p:cSld>
@@ -12404,7 +12502,7 @@
     <a:masterClrMapping/>
   </p:clrMapOvr>
   <mc:AlternateContent xmlns:mc="http://schemas.openxmlformats.org/markup-compatibility/2006">
-    <mc:Choice xmlns="" xmlns:p14="http://schemas.microsoft.com/office/powerpoint/2010/main" Requires="p14">
+    <mc:Choice xmlns:p14="http://schemas.microsoft.com/office/powerpoint/2010/main" xmlns="" Requires="p14">
       <p:transition spd="slow" p14:dur="2000"/>
     </mc:Choice>
     <mc:Fallback>
@@ -12688,7 +12786,7 @@
     </p:spTree>
     <p:extLst>
       <p:ext uri="{BB962C8B-B14F-4D97-AF65-F5344CB8AC3E}">
-        <p14:creationId xmlns="" xmlns:p14="http://schemas.microsoft.com/office/powerpoint/2010/main" val="4060775951"/>
+        <p14:creationId xmlns:p14="http://schemas.microsoft.com/office/powerpoint/2010/main" xmlns="" val="4060775951"/>
       </p:ext>
     </p:extLst>
   </p:cSld>
@@ -12696,7 +12794,7 @@
     <a:masterClrMapping/>
   </p:clrMapOvr>
   <mc:AlternateContent xmlns:mc="http://schemas.openxmlformats.org/markup-compatibility/2006">
-    <mc:Choice xmlns="" xmlns:p14="http://schemas.microsoft.com/office/powerpoint/2010/main" Requires="p14">
+    <mc:Choice xmlns:p14="http://schemas.microsoft.com/office/powerpoint/2010/main" xmlns="" Requires="p14">
       <p:transition spd="slow" p14:dur="2000"/>
     </mc:Choice>
     <mc:Fallback>
@@ -12910,7 +13008,7 @@
     </p:spTree>
     <p:extLst>
       <p:ext uri="{BB962C8B-B14F-4D97-AF65-F5344CB8AC3E}">
-        <p14:creationId xmlns="" xmlns:p14="http://schemas.microsoft.com/office/powerpoint/2010/main" val="4060775951"/>
+        <p14:creationId xmlns:p14="http://schemas.microsoft.com/office/powerpoint/2010/main" xmlns="" val="4060775951"/>
       </p:ext>
     </p:extLst>
   </p:cSld>
@@ -12918,7 +13016,7 @@
     <a:masterClrMapping/>
   </p:clrMapOvr>
   <mc:AlternateContent xmlns:mc="http://schemas.openxmlformats.org/markup-compatibility/2006">
-    <mc:Choice xmlns="" xmlns:p14="http://schemas.microsoft.com/office/powerpoint/2010/main" Requires="p14">
+    <mc:Choice xmlns:p14="http://schemas.microsoft.com/office/powerpoint/2010/main" xmlns="" Requires="p14">
       <p:transition spd="slow" p14:dur="2000"/>
     </mc:Choice>
     <mc:Fallback>
@@ -13045,7 +13143,7 @@
     </p:spTree>
     <p:extLst>
       <p:ext uri="{BB962C8B-B14F-4D97-AF65-F5344CB8AC3E}">
-        <p14:creationId xmlns="" xmlns:p14="http://schemas.microsoft.com/office/powerpoint/2010/main" val="4060775951"/>
+        <p14:creationId xmlns:p14="http://schemas.microsoft.com/office/powerpoint/2010/main" xmlns="" val="4060775951"/>
       </p:ext>
     </p:extLst>
   </p:cSld>
@@ -13053,7 +13151,7 @@
     <a:masterClrMapping/>
   </p:clrMapOvr>
   <mc:AlternateContent xmlns:mc="http://schemas.openxmlformats.org/markup-compatibility/2006">
-    <mc:Choice xmlns="" xmlns:p14="http://schemas.microsoft.com/office/powerpoint/2010/main" Requires="p14">
+    <mc:Choice xmlns:p14="http://schemas.microsoft.com/office/powerpoint/2010/main" xmlns="" Requires="p14">
       <p:transition spd="slow" p14:dur="2000"/>
     </mc:Choice>
     <mc:Fallback>
@@ -13224,7 +13322,7 @@
     </p:spTree>
     <p:extLst>
       <p:ext uri="{BB962C8B-B14F-4D97-AF65-F5344CB8AC3E}">
-        <p14:creationId xmlns="" xmlns:p14="http://schemas.microsoft.com/office/powerpoint/2010/main" val="4060775951"/>
+        <p14:creationId xmlns:p14="http://schemas.microsoft.com/office/powerpoint/2010/main" xmlns="" val="4060775951"/>
       </p:ext>
     </p:extLst>
   </p:cSld>
@@ -13232,7 +13330,7 @@
     <a:masterClrMapping/>
   </p:clrMapOvr>
   <mc:AlternateContent xmlns:mc="http://schemas.openxmlformats.org/markup-compatibility/2006">
-    <mc:Choice xmlns="" xmlns:p14="http://schemas.microsoft.com/office/powerpoint/2010/main" Requires="p14">
+    <mc:Choice xmlns:p14="http://schemas.microsoft.com/office/powerpoint/2010/main" xmlns="" Requires="p14">
       <p:transition spd="slow" p14:dur="2000"/>
     </mc:Choice>
     <mc:Fallback>
@@ -13402,7 +13500,7 @@
     </p:spTree>
     <p:extLst>
       <p:ext uri="{BB962C8B-B14F-4D97-AF65-F5344CB8AC3E}">
-        <p14:creationId xmlns="" xmlns:p14="http://schemas.microsoft.com/office/powerpoint/2010/main" val="4060775951"/>
+        <p14:creationId xmlns:p14="http://schemas.microsoft.com/office/powerpoint/2010/main" xmlns="" val="4060775951"/>
       </p:ext>
     </p:extLst>
   </p:cSld>
@@ -13410,7 +13508,7 @@
     <a:masterClrMapping/>
   </p:clrMapOvr>
   <mc:AlternateContent xmlns:mc="http://schemas.openxmlformats.org/markup-compatibility/2006">
-    <mc:Choice xmlns="" xmlns:p14="http://schemas.microsoft.com/office/powerpoint/2010/main" Requires="p14">
+    <mc:Choice xmlns:p14="http://schemas.microsoft.com/office/powerpoint/2010/main" xmlns="" Requires="p14">
       <p:transition spd="slow" p14:dur="2000"/>
     </mc:Choice>
     <mc:Fallback>
